--- a/Intro_Dataviz.pptx
+++ b/Intro_Dataviz.pptx
@@ -5,13 +5,14 @@
     <p:sldMasterId id="2147483648" r:id="rId1"/>
   </p:sldMasterIdLst>
   <p:notesMasterIdLst>
-    <p:notesMasterId r:id="rId6"/>
+    <p:notesMasterId r:id="rId7"/>
   </p:notesMasterIdLst>
   <p:sldIdLst>
     <p:sldId id="256" r:id="rId2"/>
     <p:sldId id="257" r:id="rId3"/>
-    <p:sldId id="275" r:id="rId4"/>
-    <p:sldId id="283" r:id="rId5"/>
+    <p:sldId id="284" r:id="rId4"/>
+    <p:sldId id="275" r:id="rId5"/>
+    <p:sldId id="283" r:id="rId6"/>
   </p:sldIdLst>
   <p:sldSz cx="12192000" cy="6858000"/>
   <p:notesSz cx="6858000" cy="9144000"/>
@@ -200,7 +201,7 @@
           <a:p>
             <a:fld id="{DE24B45D-B38B-5348-97F2-91F5A5915D4C}" type="datetimeFigureOut">
               <a:rPr lang="en-AU" smtClean="0"/>
-              <a:t>30/1/19</a:t>
+              <a:t>22/2/19</a:t>
             </a:fld>
             <a:endParaRPr lang="en-AU"/>
           </a:p>
@@ -533,7 +534,7 @@
           <a:p>
             <a:fld id="{3C97A14E-500E-A148-99C8-B80307C7DE72}" type="slidenum">
               <a:rPr lang="en-AU" smtClean="0"/>
-              <a:t>4</a:t>
+              <a:t>5</a:t>
             </a:fld>
             <a:endParaRPr lang="en-AU"/>
           </a:p>
@@ -683,7 +684,7 @@
           <a:p>
             <a:fld id="{95F34277-3EED-7A4D-A803-67027078CA3E}" type="datetimeFigureOut">
               <a:rPr lang="fr-FR" smtClean="0"/>
-              <a:t>30/01/2019</a:t>
+              <a:t>22/02/2019</a:t>
             </a:fld>
             <a:endParaRPr lang="fr-FR"/>
           </a:p>
@@ -853,7 +854,7 @@
           <a:p>
             <a:fld id="{95F34277-3EED-7A4D-A803-67027078CA3E}" type="datetimeFigureOut">
               <a:rPr lang="fr-FR" smtClean="0"/>
-              <a:t>30/01/2019</a:t>
+              <a:t>22/02/2019</a:t>
             </a:fld>
             <a:endParaRPr lang="fr-FR"/>
           </a:p>
@@ -1033,7 +1034,7 @@
           <a:p>
             <a:fld id="{95F34277-3EED-7A4D-A803-67027078CA3E}" type="datetimeFigureOut">
               <a:rPr lang="fr-FR" smtClean="0"/>
-              <a:t>30/01/2019</a:t>
+              <a:t>22/02/2019</a:t>
             </a:fld>
             <a:endParaRPr lang="fr-FR"/>
           </a:p>
@@ -1203,7 +1204,7 @@
           <a:p>
             <a:fld id="{95F34277-3EED-7A4D-A803-67027078CA3E}" type="datetimeFigureOut">
               <a:rPr lang="fr-FR" smtClean="0"/>
-              <a:t>30/01/2019</a:t>
+              <a:t>22/02/2019</a:t>
             </a:fld>
             <a:endParaRPr lang="fr-FR"/>
           </a:p>
@@ -1449,7 +1450,7 @@
           <a:p>
             <a:fld id="{95F34277-3EED-7A4D-A803-67027078CA3E}" type="datetimeFigureOut">
               <a:rPr lang="fr-FR" smtClean="0"/>
-              <a:t>30/01/2019</a:t>
+              <a:t>22/02/2019</a:t>
             </a:fld>
             <a:endParaRPr lang="fr-FR"/>
           </a:p>
@@ -1681,7 +1682,7 @@
           <a:p>
             <a:fld id="{95F34277-3EED-7A4D-A803-67027078CA3E}" type="datetimeFigureOut">
               <a:rPr lang="fr-FR" smtClean="0"/>
-              <a:t>30/01/2019</a:t>
+              <a:t>22/02/2019</a:t>
             </a:fld>
             <a:endParaRPr lang="fr-FR"/>
           </a:p>
@@ -2048,7 +2049,7 @@
           <a:p>
             <a:fld id="{95F34277-3EED-7A4D-A803-67027078CA3E}" type="datetimeFigureOut">
               <a:rPr lang="fr-FR" smtClean="0"/>
-              <a:t>30/01/2019</a:t>
+              <a:t>22/02/2019</a:t>
             </a:fld>
             <a:endParaRPr lang="fr-FR"/>
           </a:p>
@@ -2166,7 +2167,7 @@
           <a:p>
             <a:fld id="{95F34277-3EED-7A4D-A803-67027078CA3E}" type="datetimeFigureOut">
               <a:rPr lang="fr-FR" smtClean="0"/>
-              <a:t>30/01/2019</a:t>
+              <a:t>22/02/2019</a:t>
             </a:fld>
             <a:endParaRPr lang="fr-FR"/>
           </a:p>
@@ -2261,7 +2262,7 @@
           <a:p>
             <a:fld id="{95F34277-3EED-7A4D-A803-67027078CA3E}" type="datetimeFigureOut">
               <a:rPr lang="fr-FR" smtClean="0"/>
-              <a:t>30/01/2019</a:t>
+              <a:t>22/02/2019</a:t>
             </a:fld>
             <a:endParaRPr lang="fr-FR"/>
           </a:p>
@@ -2538,7 +2539,7 @@
           <a:p>
             <a:fld id="{95F34277-3EED-7A4D-A803-67027078CA3E}" type="datetimeFigureOut">
               <a:rPr lang="fr-FR" smtClean="0"/>
-              <a:t>30/01/2019</a:t>
+              <a:t>22/02/2019</a:t>
             </a:fld>
             <a:endParaRPr lang="fr-FR"/>
           </a:p>
@@ -2791,7 +2792,7 @@
           <a:p>
             <a:fld id="{95F34277-3EED-7A4D-A803-67027078CA3E}" type="datetimeFigureOut">
               <a:rPr lang="fr-FR" smtClean="0"/>
-              <a:t>30/01/2019</a:t>
+              <a:t>22/02/2019</a:t>
             </a:fld>
             <a:endParaRPr lang="fr-FR"/>
           </a:p>
@@ -3004,7 +3005,7 @@
           <a:p>
             <a:fld id="{95F34277-3EED-7A4D-A803-67027078CA3E}" type="datetimeFigureOut">
               <a:rPr lang="fr-FR" smtClean="0"/>
-              <a:t>30/01/2019</a:t>
+              <a:t>22/02/2019</a:t>
             </a:fld>
             <a:endParaRPr lang="fr-FR"/>
           </a:p>
@@ -3536,11 +3537,7 @@
           <a:p>
             <a:r>
               <a:rPr lang="fr-FR" sz="3600" dirty="0" smtClean="0"/>
-              <a:t>Introduction to </a:t>
-            </a:r>
-            <a:r>
-              <a:rPr lang="fr-FR" sz="3600" dirty="0" smtClean="0"/>
-              <a:t>Data </a:t>
+              <a:t>Introduction to Data </a:t>
             </a:r>
             <a:r>
               <a:rPr lang="fr-FR" sz="3600" dirty="0" err="1" smtClean="0"/>
@@ -3657,14 +3654,14 @@
       </p:grpSpPr>
       <p:sp>
         <p:nvSpPr>
-          <p:cNvPr id="2" name="ZoneTexte 1"/>
+          <p:cNvPr id="3" name="ZoneTexte 2"/>
           <p:cNvSpPr txBox="1"/>
           <p:nvPr/>
         </p:nvSpPr>
         <p:spPr>
           <a:xfrm>
-            <a:off x="421675" y="699740"/>
-            <a:ext cx="4952430" cy="5693866"/>
+            <a:off x="372720" y="195244"/>
+            <a:ext cx="11703665" cy="5262979"/>
           </a:xfrm>
           <a:prstGeom prst="rect">
             <a:avLst/>
@@ -3678,178 +3675,139 @@
           <a:lstStyle/>
           <a:p>
             <a:r>
-              <a:rPr lang="en-CA" sz="4400" dirty="0" smtClean="0">
+              <a:rPr lang="en-CA" sz="2800" dirty="0" smtClean="0">
                 <a:solidFill>
                   <a:schemeClr val="accent2">
                     <a:lumMod val="75000"/>
                   </a:schemeClr>
                 </a:solidFill>
               </a:rPr>
-              <a:t>What</a:t>
-            </a:r>
-          </a:p>
-          <a:p>
-            <a:endParaRPr lang="en-CA" sz="3200" dirty="0" smtClean="0"/>
-          </a:p>
-          <a:p>
-            <a:pPr algn="ctr"/>
-            <a:r>
-              <a:rPr lang="en-CA" sz="3200" dirty="0" smtClean="0"/>
-              <a:t>“ An </a:t>
-            </a:r>
-            <a:r>
-              <a:rPr lang="en-CA" sz="3200" dirty="0"/>
-              <a:t>R Markdown (.</a:t>
-            </a:r>
-            <a:r>
-              <a:rPr lang="en-CA" sz="3200" dirty="0" err="1"/>
-              <a:t>Rmd</a:t>
-            </a:r>
-            <a:r>
-              <a:rPr lang="en-CA" sz="3200" dirty="0"/>
-              <a:t>) file is a record of your research. It contains the </a:t>
-            </a:r>
-            <a:r>
-              <a:rPr lang="en-CA" sz="3200" b="1" dirty="0">
-                <a:solidFill>
-                  <a:schemeClr val="accent2">
-                    <a:lumMod val="75000"/>
-                  </a:schemeClr>
-                </a:solidFill>
-              </a:rPr>
-              <a:t>code</a:t>
-            </a:r>
-            <a:r>
-              <a:rPr lang="en-CA" sz="3200" dirty="0"/>
-              <a:t> that a scientist needs to reproduce your work along with the </a:t>
-            </a:r>
-            <a:r>
-              <a:rPr lang="en-CA" sz="3200" b="1" dirty="0">
-                <a:solidFill>
-                  <a:schemeClr val="accent2">
-                    <a:lumMod val="75000"/>
-                  </a:schemeClr>
-                </a:solidFill>
-              </a:rPr>
-              <a:t>narration</a:t>
-            </a:r>
-            <a:r>
-              <a:rPr lang="en-CA" sz="3200" dirty="0"/>
-              <a:t> that a reader needs to understand your work. </a:t>
-            </a:r>
-            <a:r>
-              <a:rPr lang="en-CA" sz="3200" dirty="0" smtClean="0"/>
-              <a:t>“</a:t>
-            </a:r>
-            <a:endParaRPr lang="en-CA" sz="3200" dirty="0"/>
-          </a:p>
-          <a:p>
-            <a:endParaRPr lang="en-CA" sz="3200" dirty="0" smtClean="0"/>
-          </a:p>
-        </p:txBody>
-      </p:sp>
-      <p:sp>
-        <p:nvSpPr>
-          <p:cNvPr id="3" name="ZoneTexte 2"/>
-          <p:cNvSpPr txBox="1"/>
-          <p:nvPr/>
-        </p:nvSpPr>
-        <p:spPr>
-          <a:xfrm>
-            <a:off x="6573823" y="699740"/>
-            <a:ext cx="4952430" cy="4708981"/>
-          </a:xfrm>
-          <a:prstGeom prst="rect">
-            <a:avLst/>
-          </a:prstGeom>
-          <a:noFill/>
-        </p:spPr>
-        <p:txBody>
-          <a:bodyPr wrap="square" rtlCol="0">
-            <a:spAutoFit/>
-          </a:bodyPr>
-          <a:lstStyle/>
-          <a:p>
-            <a:r>
-              <a:rPr lang="en-CA" sz="4400" dirty="0" smtClean="0">
-                <a:solidFill>
-                  <a:schemeClr val="accent2">
-                    <a:lumMod val="75000"/>
-                  </a:schemeClr>
-                </a:solidFill>
-              </a:rPr>
-              <a:t>Why</a:t>
-            </a:r>
-          </a:p>
-          <a:p>
-            <a:endParaRPr lang="en-CA" sz="3200" dirty="0" smtClean="0"/>
-          </a:p>
-          <a:p>
-            <a:pPr marL="914400" lvl="1" indent="-457200">
-              <a:buFont typeface="Arial" charset="0"/>
-              <a:buChar char="•"/>
+              <a:t>Ideas</a:t>
+            </a:r>
+          </a:p>
+          <a:p>
+            <a:r>
+              <a:rPr lang="en-CA" sz="2800" dirty="0" smtClean="0"/>
+              <a:t>- Who I am</a:t>
+            </a:r>
+          </a:p>
+          <a:p>
+            <a:pPr marL="457200" indent="-457200">
+              <a:buFontTx/>
+              <a:buChar char="-"/>
             </a:pPr>
             <a:r>
-              <a:rPr lang="en-CA" sz="3200" dirty="0" smtClean="0"/>
-              <a:t>Efficiency</a:t>
-            </a:r>
-          </a:p>
-          <a:p>
-            <a:pPr marL="914400" lvl="1" indent="-457200">
-              <a:buFont typeface="Arial" charset="0"/>
-              <a:buChar char="•"/>
+              <a:rPr lang="en-CA" sz="2800" dirty="0" smtClean="0"/>
+              <a:t>brainstorming: what is it for you?</a:t>
+            </a:r>
+          </a:p>
+          <a:p>
+            <a:pPr marL="457200" indent="-457200">
+              <a:buFontTx/>
+              <a:buChar char="-"/>
             </a:pPr>
             <a:r>
-              <a:rPr lang="en-CA" sz="3200" dirty="0" smtClean="0"/>
-              <a:t>Reproducibility</a:t>
-            </a:r>
-          </a:p>
-          <a:p>
-            <a:pPr marL="914400" lvl="1" indent="-457200">
-              <a:buFont typeface="Arial" charset="0"/>
-              <a:buChar char="•"/>
+              <a:rPr lang="en-CA" sz="2800" dirty="0" smtClean="0"/>
+              <a:t>What is it for -&gt; </a:t>
+            </a:r>
+            <a:r>
+              <a:rPr lang="en-CA" sz="2800" dirty="0" err="1" smtClean="0"/>
+              <a:t>Ascombe</a:t>
+            </a:r>
+            <a:r>
+              <a:rPr lang="en-CA" sz="2800" dirty="0" smtClean="0"/>
+              <a:t> quartet, </a:t>
+            </a:r>
+            <a:r>
+              <a:rPr lang="en-CA" sz="2800" dirty="0" err="1" smtClean="0"/>
+              <a:t>Dynausorus</a:t>
+            </a:r>
+            <a:r>
+              <a:rPr lang="en-CA" sz="2800" dirty="0"/>
+              <a:t> </a:t>
+            </a:r>
+            <a:r>
+              <a:rPr lang="en-CA" sz="2800" dirty="0" smtClean="0"/>
+              <a:t>/ Show a huge table and a chart that summarize it</a:t>
+            </a:r>
+          </a:p>
+          <a:p>
+            <a:pPr marL="457200" indent="-457200">
+              <a:buFontTx/>
+              <a:buChar char="-"/>
             </a:pPr>
             <a:r>
-              <a:rPr lang="en-CA" sz="3200" dirty="0" smtClean="0"/>
-              <a:t>Interactivity</a:t>
-            </a:r>
-          </a:p>
-          <a:p>
-            <a:pPr marL="914400" lvl="1" indent="-457200">
-              <a:buFont typeface="Arial" charset="0"/>
-              <a:buChar char="•"/>
+              <a:rPr lang="en-CA" sz="2800" dirty="0" err="1" smtClean="0"/>
+              <a:t>Dataviz</a:t>
+            </a:r>
+            <a:r>
+              <a:rPr lang="en-CA" sz="2800" dirty="0" smtClean="0"/>
+              <a:t> is in 2 part of the data science process: exploration / explanatory</a:t>
+            </a:r>
+          </a:p>
+          <a:p>
+            <a:pPr marL="457200" indent="-457200">
+              <a:buFontTx/>
+              <a:buChar char="-"/>
             </a:pPr>
             <a:r>
-              <a:rPr lang="en-CA" sz="3200" dirty="0" smtClean="0"/>
-              <a:t>Automation</a:t>
-            </a:r>
-            <a:endParaRPr lang="en-CA" sz="3200" dirty="0"/>
-          </a:p>
-          <a:p>
-            <a:pPr marL="914400" lvl="1" indent="-457200">
-              <a:buFont typeface="Arial" charset="0"/>
-              <a:buChar char="•"/>
+              <a:rPr lang="en-CA" sz="2800" dirty="0" smtClean="0"/>
+              <a:t>Different types of chart</a:t>
+            </a:r>
+          </a:p>
+          <a:p>
+            <a:pPr marL="457200" indent="-457200">
+              <a:buFontTx/>
+              <a:buChar char="-"/>
             </a:pPr>
             <a:r>
-              <a:rPr lang="en-CA" sz="3200" dirty="0" smtClean="0"/>
-              <a:t>Notebook</a:t>
-            </a:r>
-            <a:endParaRPr lang="en-CA" sz="3200" dirty="0"/>
-          </a:p>
-          <a:p>
-            <a:pPr marL="914400" lvl="1" indent="-457200">
-              <a:buFont typeface="Arial" charset="0"/>
-              <a:buChar char="•"/>
+              <a:rPr lang="en-CA" sz="2800" dirty="0" smtClean="0"/>
+              <a:t>How to pick the right chart</a:t>
+            </a:r>
+          </a:p>
+          <a:p>
+            <a:pPr marL="457200" indent="-457200">
+              <a:buFontTx/>
+              <a:buChar char="-"/>
             </a:pPr>
-            <a:endParaRPr lang="en-CA" sz="3200" dirty="0"/>
-          </a:p>
-          <a:p>
-            <a:pPr lvl="1"/>
-            <a:r>
-              <a:rPr lang="en-CA" sz="3200" i="1" dirty="0" smtClean="0"/>
-              <a:t>And much more..</a:t>
-            </a:r>
-            <a:endParaRPr lang="en-CA" sz="3200" i="1" dirty="0"/>
+            <a:r>
+              <a:rPr lang="en-CA" sz="2800" dirty="0" smtClean="0"/>
+              <a:t>What is a bad chart</a:t>
+            </a:r>
+          </a:p>
+          <a:p>
+            <a:pPr marL="457200" indent="-457200">
+              <a:buFontTx/>
+              <a:buChar char="-"/>
+            </a:pPr>
+            <a:r>
+              <a:rPr lang="en-CA" sz="2800" dirty="0" smtClean="0"/>
+              <a:t>Different types of medium: static / interactive / storytelling / </a:t>
+            </a:r>
+            <a:r>
+              <a:rPr lang="en-CA" sz="2800" dirty="0" err="1" smtClean="0"/>
+              <a:t>infographie</a:t>
+            </a:r>
+            <a:endParaRPr lang="en-CA" sz="2800" dirty="0" smtClean="0"/>
+          </a:p>
+          <a:p>
+            <a:pPr marL="457200" indent="-457200">
+              <a:buFontTx/>
+              <a:buChar char="-"/>
+            </a:pPr>
+            <a:r>
+              <a:rPr lang="en-CA" sz="2800" dirty="0" smtClean="0"/>
+              <a:t>Tools</a:t>
+            </a:r>
+          </a:p>
+          <a:p>
+            <a:endParaRPr lang="en-CA" sz="2800" dirty="0" smtClean="0">
+              <a:solidFill>
+                <a:schemeClr val="accent2">
+                  <a:lumMod val="75000"/>
+                </a:schemeClr>
+              </a:solidFill>
+            </a:endParaRPr>
           </a:p>
         </p:txBody>
       </p:sp>
@@ -3890,6 +3848,241 @@
           <a:chExt cx="0" cy="0"/>
         </a:xfrm>
       </p:grpSpPr>
+      <p:sp>
+        <p:nvSpPr>
+          <p:cNvPr id="2" name="ZoneTexte 1"/>
+          <p:cNvSpPr txBox="1"/>
+          <p:nvPr/>
+        </p:nvSpPr>
+        <p:spPr>
+          <a:xfrm>
+            <a:off x="421675" y="699740"/>
+            <a:ext cx="4952430" cy="5693866"/>
+          </a:xfrm>
+          <a:prstGeom prst="rect">
+            <a:avLst/>
+          </a:prstGeom>
+          <a:noFill/>
+        </p:spPr>
+        <p:txBody>
+          <a:bodyPr wrap="square" rtlCol="0">
+            <a:spAutoFit/>
+          </a:bodyPr>
+          <a:lstStyle/>
+          <a:p>
+            <a:r>
+              <a:rPr lang="en-CA" sz="4400" dirty="0" smtClean="0">
+                <a:solidFill>
+                  <a:schemeClr val="accent2">
+                    <a:lumMod val="75000"/>
+                  </a:schemeClr>
+                </a:solidFill>
+              </a:rPr>
+              <a:t>What</a:t>
+            </a:r>
+          </a:p>
+          <a:p>
+            <a:endParaRPr lang="en-CA" sz="3200" dirty="0" smtClean="0"/>
+          </a:p>
+          <a:p>
+            <a:pPr algn="ctr"/>
+            <a:r>
+              <a:rPr lang="en-CA" sz="3200" dirty="0" smtClean="0"/>
+              <a:t>“ An </a:t>
+            </a:r>
+            <a:r>
+              <a:rPr lang="en-CA" sz="3200" dirty="0"/>
+              <a:t>R Markdown (.</a:t>
+            </a:r>
+            <a:r>
+              <a:rPr lang="en-CA" sz="3200" dirty="0" err="1"/>
+              <a:t>Rmd</a:t>
+            </a:r>
+            <a:r>
+              <a:rPr lang="en-CA" sz="3200" dirty="0"/>
+              <a:t>) file is a record of your research. It contains the </a:t>
+            </a:r>
+            <a:r>
+              <a:rPr lang="en-CA" sz="3200" b="1" dirty="0">
+                <a:solidFill>
+                  <a:schemeClr val="accent2">
+                    <a:lumMod val="75000"/>
+                  </a:schemeClr>
+                </a:solidFill>
+              </a:rPr>
+              <a:t>code</a:t>
+            </a:r>
+            <a:r>
+              <a:rPr lang="en-CA" sz="3200" dirty="0"/>
+              <a:t> that a scientist needs to reproduce your work along with the </a:t>
+            </a:r>
+            <a:r>
+              <a:rPr lang="en-CA" sz="3200" b="1" dirty="0">
+                <a:solidFill>
+                  <a:schemeClr val="accent2">
+                    <a:lumMod val="75000"/>
+                  </a:schemeClr>
+                </a:solidFill>
+              </a:rPr>
+              <a:t>narration</a:t>
+            </a:r>
+            <a:r>
+              <a:rPr lang="en-CA" sz="3200" dirty="0"/>
+              <a:t> that a reader needs to understand your work. </a:t>
+            </a:r>
+            <a:r>
+              <a:rPr lang="en-CA" sz="3200" dirty="0" smtClean="0"/>
+              <a:t>“</a:t>
+            </a:r>
+            <a:endParaRPr lang="en-CA" sz="3200" dirty="0"/>
+          </a:p>
+          <a:p>
+            <a:endParaRPr lang="en-CA" sz="3200" dirty="0" smtClean="0"/>
+          </a:p>
+        </p:txBody>
+      </p:sp>
+      <p:sp>
+        <p:nvSpPr>
+          <p:cNvPr id="3" name="ZoneTexte 2"/>
+          <p:cNvSpPr txBox="1"/>
+          <p:nvPr/>
+        </p:nvSpPr>
+        <p:spPr>
+          <a:xfrm>
+            <a:off x="6573823" y="699740"/>
+            <a:ext cx="4952430" cy="4708981"/>
+          </a:xfrm>
+          <a:prstGeom prst="rect">
+            <a:avLst/>
+          </a:prstGeom>
+          <a:noFill/>
+        </p:spPr>
+        <p:txBody>
+          <a:bodyPr wrap="square" rtlCol="0">
+            <a:spAutoFit/>
+          </a:bodyPr>
+          <a:lstStyle/>
+          <a:p>
+            <a:r>
+              <a:rPr lang="en-CA" sz="4400" dirty="0" smtClean="0">
+                <a:solidFill>
+                  <a:schemeClr val="accent2">
+                    <a:lumMod val="75000"/>
+                  </a:schemeClr>
+                </a:solidFill>
+              </a:rPr>
+              <a:t>Why</a:t>
+            </a:r>
+          </a:p>
+          <a:p>
+            <a:endParaRPr lang="en-CA" sz="3200" dirty="0" smtClean="0"/>
+          </a:p>
+          <a:p>
+            <a:pPr marL="914400" lvl="1" indent="-457200">
+              <a:buFont typeface="Arial" charset="0"/>
+              <a:buChar char="•"/>
+            </a:pPr>
+            <a:r>
+              <a:rPr lang="en-CA" sz="3200" dirty="0" smtClean="0"/>
+              <a:t>Efficiency</a:t>
+            </a:r>
+          </a:p>
+          <a:p>
+            <a:pPr marL="914400" lvl="1" indent="-457200">
+              <a:buFont typeface="Arial" charset="0"/>
+              <a:buChar char="•"/>
+            </a:pPr>
+            <a:r>
+              <a:rPr lang="en-CA" sz="3200" dirty="0" smtClean="0"/>
+              <a:t>Reproducibility</a:t>
+            </a:r>
+          </a:p>
+          <a:p>
+            <a:pPr marL="914400" lvl="1" indent="-457200">
+              <a:buFont typeface="Arial" charset="0"/>
+              <a:buChar char="•"/>
+            </a:pPr>
+            <a:r>
+              <a:rPr lang="en-CA" sz="3200" dirty="0" smtClean="0"/>
+              <a:t>Interactivity</a:t>
+            </a:r>
+          </a:p>
+          <a:p>
+            <a:pPr marL="914400" lvl="1" indent="-457200">
+              <a:buFont typeface="Arial" charset="0"/>
+              <a:buChar char="•"/>
+            </a:pPr>
+            <a:r>
+              <a:rPr lang="en-CA" sz="3200" dirty="0" smtClean="0"/>
+              <a:t>Automation</a:t>
+            </a:r>
+            <a:endParaRPr lang="en-CA" sz="3200" dirty="0"/>
+          </a:p>
+          <a:p>
+            <a:pPr marL="914400" lvl="1" indent="-457200">
+              <a:buFont typeface="Arial" charset="0"/>
+              <a:buChar char="•"/>
+            </a:pPr>
+            <a:r>
+              <a:rPr lang="en-CA" sz="3200" dirty="0" smtClean="0"/>
+              <a:t>Notebook</a:t>
+            </a:r>
+            <a:endParaRPr lang="en-CA" sz="3200" dirty="0"/>
+          </a:p>
+          <a:p>
+            <a:pPr marL="914400" lvl="1" indent="-457200">
+              <a:buFont typeface="Arial" charset="0"/>
+              <a:buChar char="•"/>
+            </a:pPr>
+            <a:endParaRPr lang="en-CA" sz="3200" dirty="0"/>
+          </a:p>
+          <a:p>
+            <a:pPr lvl="1"/>
+            <a:r>
+              <a:rPr lang="en-CA" sz="3200" i="1" dirty="0" smtClean="0"/>
+              <a:t>And much more..</a:t>
+            </a:r>
+            <a:endParaRPr lang="en-CA" sz="3200" i="1" dirty="0"/>
+          </a:p>
+        </p:txBody>
+      </p:sp>
+    </p:spTree>
+    <p:extLst>
+      <p:ext uri="{BB962C8B-B14F-4D97-AF65-F5344CB8AC3E}">
+        <p14:creationId xmlns:p14="http://schemas.microsoft.com/office/powerpoint/2010/main" val="1917159384"/>
+      </p:ext>
+    </p:extLst>
+  </p:cSld>
+  <p:clrMapOvr>
+    <a:masterClrMapping/>
+  </p:clrMapOvr>
+  <p:timing>
+    <p:tnLst>
+      <p:par>
+        <p:cTn id="1" dur="indefinite" restart="never" nodeType="tmRoot"/>
+      </p:par>
+    </p:tnLst>
+  </p:timing>
+</p:sld>
+</file>
+
+<file path=ppt/slides/slide4.xml><?xml version="1.0" encoding="utf-8"?>
+<p:sld xmlns:a="http://schemas.openxmlformats.org/drawingml/2006/main" xmlns:r="http://schemas.openxmlformats.org/officeDocument/2006/relationships" xmlns:p="http://schemas.openxmlformats.org/presentationml/2006/main">
+  <p:cSld>
+    <p:spTree>
+      <p:nvGrpSpPr>
+        <p:cNvPr id="1" name=""/>
+        <p:cNvGrpSpPr/>
+        <p:nvPr/>
+      </p:nvGrpSpPr>
+      <p:grpSpPr>
+        <a:xfrm>
+          <a:off x="0" y="0"/>
+          <a:ext cx="0" cy="0"/>
+          <a:chOff x="0" y="0"/>
+          <a:chExt cx="0" cy="0"/>
+        </a:xfrm>
+      </p:grpSpPr>
       <p:pic>
         <p:nvPicPr>
           <p:cNvPr id="8" name="Image 7"/>
@@ -4012,7 +4205,7 @@
 </p:sld>
 </file>
 
-<file path=ppt/slides/slide4.xml><?xml version="1.0" encoding="utf-8"?>
+<file path=ppt/slides/slide5.xml><?xml version="1.0" encoding="utf-8"?>
 <p:sld xmlns:a="http://schemas.openxmlformats.org/drawingml/2006/main" xmlns:r="http://schemas.openxmlformats.org/officeDocument/2006/relationships" xmlns:p="http://schemas.openxmlformats.org/presentationml/2006/main">
   <p:cSld>
     <p:spTree>
